--- a/material/C02_CSharp_VS_Git.pptx
+++ b/material/C02_CSharp_VS_Git.pptx
@@ -53,24 +53,24 @@
   <p:notesSz cx="6858000" cy="9144000"/>
   <p:embeddedFontLst>
     <p:embeddedFont>
-      <p:font typeface="AppleSDGothicNeoB00" panose="02000503000000000000" pitchFamily="2" charset="-127"/>
+      <p:font typeface="AppleSDGothicNeoB00" panose="020B0600000101010101" charset="-127"/>
       <p:regular r:id="rId43"/>
     </p:embeddedFont>
     <p:embeddedFont>
-      <p:font typeface="AppleSDGothicNeoH00" panose="02000503000000000000" pitchFamily="2" charset="-127"/>
+      <p:font typeface="AppleSDGothicNeoH00" panose="020B0600000101010101" charset="-127"/>
       <p:regular r:id="rId44"/>
     </p:embeddedFont>
     <p:embeddedFont>
-      <p:font typeface="Cascadia Mono" panose="020B0609020000020004" pitchFamily="49" charset="0"/>
+      <p:font typeface="나눔바른고딕" panose="020B0600000101010101" charset="-127"/>
       <p:regular r:id="rId45"/>
       <p:bold r:id="rId46"/>
-      <p:italic r:id="rId47"/>
-      <p:boldItalic r:id="rId48"/>
     </p:embeddedFont>
     <p:embeddedFont>
-      <p:font typeface="나눔바른고딕" panose="020B0603020101020101" pitchFamily="50" charset="-127"/>
-      <p:regular r:id="rId49"/>
-      <p:bold r:id="rId50"/>
+      <p:font typeface="Cascadia Mono" panose="020B0609020000020004" pitchFamily="49" charset="0"/>
+      <p:regular r:id="rId47"/>
+      <p:bold r:id="rId48"/>
+      <p:italic r:id="rId49"/>
+      <p:boldItalic r:id="rId50"/>
     </p:embeddedFont>
     <p:embeddedFont>
       <p:font typeface="맑은 고딕" panose="020B0503020000020004" pitchFamily="50" charset="-127"/>
@@ -266,7 +266,7 @@
           <a:p>
             <a:fld id="{2EF3F159-7250-4DD4-91C2-13B35D56E1AF}" type="datetimeFigureOut">
               <a:rPr lang="ko-KR" altLang="en-US" smtClean="0"/>
-              <a:t>12-15(Sun)</a:t>
+              <a:t>2025-04-08</a:t>
             </a:fld>
             <a:endParaRPr lang="ko-KR" altLang="en-US"/>
           </a:p>
@@ -746,7 +746,7 @@
           <a:bodyPr/>
           <a:lstStyle/>
           <a:p>
-            <a:endParaRPr lang="ko-KR" altLang="en-US"/>
+            <a:endParaRPr lang="ko-KR" altLang="en-US" dirty="0"/>
           </a:p>
         </p:txBody>
       </p:sp>
@@ -830,7 +830,15 @@
           <a:bodyPr/>
           <a:lstStyle/>
           <a:p>
-            <a:endParaRPr lang="ko-KR" altLang="en-US"/>
+            <a:r>
+              <a:rPr lang="ko-KR" altLang="en-US" dirty="0"/>
+              <a:t>내용 입력하고 </a:t>
+            </a:r>
+            <a:r>
+              <a:rPr lang="en-US" altLang="ko-KR" dirty="0"/>
+              <a:t>-&gt; add -&gt; commit -&gt; push</a:t>
+            </a:r>
+            <a:endParaRPr lang="ko-KR" altLang="en-US" dirty="0"/>
           </a:p>
         </p:txBody>
       </p:sp>
@@ -998,7 +1006,7 @@
           <a:bodyPr/>
           <a:lstStyle/>
           <a:p>
-            <a:endParaRPr lang="ko-KR" altLang="en-US"/>
+            <a:endParaRPr lang="ko-KR" altLang="en-US" dirty="0"/>
           </a:p>
         </p:txBody>
       </p:sp>
@@ -1846,7 +1854,7 @@
           <a:bodyPr/>
           <a:lstStyle/>
           <a:p>
-            <a:endParaRPr lang="en-US" altLang="ko-KR"/>
+            <a:endParaRPr lang="en-US" altLang="ko-KR" dirty="0"/>
           </a:p>
         </p:txBody>
       </p:sp>
@@ -1930,7 +1938,368 @@
           <a:bodyPr/>
           <a:lstStyle/>
           <a:p>
-            <a:endParaRPr lang="en-US" altLang="ko-KR"/>
+            <a:r>
+              <a:rPr lang="en-US" altLang="ko-KR" dirty="0"/>
+              <a:t>fetch</a:t>
+            </a:r>
+            <a:r>
+              <a:rPr lang="ko-KR" altLang="en-US" dirty="0"/>
+              <a:t>는 원격 저장소</a:t>
+            </a:r>
+            <a:r>
+              <a:rPr lang="en-US" altLang="ko-KR" dirty="0"/>
+              <a:t>(GitHub </a:t>
+            </a:r>
+            <a:r>
+              <a:rPr lang="ko-KR" altLang="en-US" dirty="0"/>
+              <a:t>등</a:t>
+            </a:r>
+            <a:r>
+              <a:rPr lang="en-US" altLang="ko-KR" dirty="0"/>
+              <a:t>)</a:t>
+            </a:r>
+            <a:r>
+              <a:rPr lang="ko-KR" altLang="en-US" dirty="0"/>
+              <a:t>의 변경사항을 받아오되</a:t>
+            </a:r>
+            <a:r>
+              <a:rPr lang="en-US" altLang="ko-KR" dirty="0"/>
+              <a:t>, </a:t>
+            </a:r>
+            <a:r>
+              <a:rPr lang="ko-KR" altLang="en-US" dirty="0"/>
+              <a:t>로컬 작업에는 영향을 주지 않습니다</a:t>
+            </a:r>
+            <a:r>
+              <a:rPr lang="en-US" altLang="ko-KR" dirty="0"/>
+              <a:t>.</a:t>
+            </a:r>
+          </a:p>
+          <a:p>
+            <a:endParaRPr lang="en-US" altLang="ko-KR" dirty="0"/>
+          </a:p>
+          <a:p>
+            <a:pPr>
+              <a:buNone/>
+            </a:pPr>
+            <a:r>
+              <a:rPr lang="ko-KR" altLang="en-US" b="1" dirty="0"/>
+              <a:t>🔹 </a:t>
+            </a:r>
+            <a:r>
+              <a:rPr lang="en-US" altLang="ko-KR" b="1" dirty="0"/>
+              <a:t>1</a:t>
+            </a:r>
+            <a:r>
+              <a:rPr lang="ko-KR" altLang="en-US" b="1" dirty="0"/>
+              <a:t>단계</a:t>
+            </a:r>
+            <a:r>
+              <a:rPr lang="en-US" altLang="ko-KR" b="1" dirty="0"/>
+              <a:t>: GitHub</a:t>
+            </a:r>
+            <a:r>
+              <a:rPr lang="ko-KR" altLang="en-US" b="1" dirty="0"/>
+              <a:t>에는 최신 코드가 올라가 있음</a:t>
+            </a:r>
+          </a:p>
+          <a:p>
+            <a:pPr>
+              <a:buNone/>
+            </a:pPr>
+            <a:r>
+              <a:rPr lang="ko-KR" altLang="en-US" dirty="0"/>
+              <a:t>팀원이 </a:t>
+            </a:r>
+            <a:r>
+              <a:rPr lang="en-US" altLang="ko-KR" dirty="0"/>
+              <a:t>push</a:t>
+            </a:r>
+            <a:r>
+              <a:rPr lang="ko-KR" altLang="en-US" dirty="0"/>
+              <a:t>한 변경사항이 있을 수 있습니다</a:t>
+            </a:r>
+            <a:r>
+              <a:rPr lang="en-US" altLang="ko-KR" dirty="0"/>
+              <a:t>.</a:t>
+            </a:r>
+          </a:p>
+          <a:p>
+            <a:pPr>
+              <a:buNone/>
+            </a:pPr>
+            <a:r>
+              <a:rPr lang="ko-KR" altLang="en-US" b="1" dirty="0"/>
+              <a:t>🔹 </a:t>
+            </a:r>
+            <a:r>
+              <a:rPr lang="en-US" altLang="ko-KR" b="1" dirty="0"/>
+              <a:t>2</a:t>
+            </a:r>
+            <a:r>
+              <a:rPr lang="ko-KR" altLang="en-US" b="1" dirty="0"/>
+              <a:t>단계</a:t>
+            </a:r>
+            <a:r>
+              <a:rPr lang="en-US" altLang="ko-KR" b="1" dirty="0"/>
+              <a:t>: </a:t>
+            </a:r>
+            <a:r>
+              <a:rPr lang="ko-KR" altLang="en-US" b="1" dirty="0"/>
+              <a:t>내 컴퓨터</a:t>
+            </a:r>
+            <a:r>
+              <a:rPr lang="en-US" altLang="ko-KR" b="1" dirty="0"/>
+              <a:t>(</a:t>
+            </a:r>
+            <a:r>
+              <a:rPr lang="ko-KR" altLang="en-US" b="1" dirty="0"/>
+              <a:t>로컬</a:t>
+            </a:r>
+            <a:r>
+              <a:rPr lang="en-US" altLang="ko-KR" b="1" dirty="0"/>
+              <a:t>)</a:t>
+            </a:r>
+            <a:r>
+              <a:rPr lang="ko-KR" altLang="en-US" b="1" dirty="0"/>
+              <a:t>는 아직 옛날 상태일 수 있음</a:t>
+            </a:r>
+          </a:p>
+          <a:p>
+            <a:r>
+              <a:rPr lang="ko-KR" altLang="en-US" dirty="0"/>
+              <a:t>내가 작업 중이던 상태는 최신이 아닐 수도 있어요</a:t>
+            </a:r>
+            <a:r>
+              <a:rPr lang="en-US" altLang="ko-KR" dirty="0"/>
+              <a:t>.</a:t>
+            </a:r>
+          </a:p>
+          <a:p>
+            <a:endParaRPr lang="en-US" altLang="ko-KR" dirty="0"/>
+          </a:p>
+          <a:p>
+            <a:pPr>
+              <a:buNone/>
+            </a:pPr>
+            <a:r>
+              <a:rPr lang="ko-KR" altLang="en-US" b="1" dirty="0"/>
+              <a:t>🔹 </a:t>
+            </a:r>
+            <a:r>
+              <a:rPr lang="en-US" altLang="ko-KR" b="1" dirty="0"/>
+              <a:t>3</a:t>
+            </a:r>
+            <a:r>
+              <a:rPr lang="ko-KR" altLang="en-US" b="1" dirty="0"/>
+              <a:t>단계</a:t>
+            </a:r>
+            <a:r>
+              <a:rPr lang="en-US" altLang="ko-KR" b="1" dirty="0"/>
+              <a:t>: git fetch</a:t>
+            </a:r>
+            <a:r>
+              <a:rPr lang="ko-KR" altLang="en-US" b="1" dirty="0"/>
+              <a:t>를 하면</a:t>
+            </a:r>
+            <a:r>
+              <a:rPr lang="en-US" altLang="ko-KR" b="1" dirty="0"/>
+              <a:t>?</a:t>
+            </a:r>
+          </a:p>
+          <a:p>
+            <a:pPr>
+              <a:buFont typeface="Arial" panose="020B0604020202020204" pitchFamily="34" charset="0"/>
+              <a:buChar char="•"/>
+            </a:pPr>
+            <a:r>
+              <a:rPr lang="en-US" altLang="ko-KR" dirty="0"/>
+              <a:t>GitHub</a:t>
+            </a:r>
+            <a:r>
+              <a:rPr lang="ko-KR" altLang="en-US" dirty="0"/>
+              <a:t>에서 </a:t>
+            </a:r>
+            <a:r>
+              <a:rPr lang="ko-KR" altLang="en-US" b="1" dirty="0"/>
+              <a:t>변경된 내용</a:t>
+            </a:r>
+            <a:r>
+              <a:rPr lang="ko-KR" altLang="en-US" dirty="0"/>
+              <a:t>만 다운로드합니다</a:t>
+            </a:r>
+            <a:r>
+              <a:rPr lang="en-US" altLang="ko-KR" dirty="0"/>
+              <a:t>.</a:t>
+            </a:r>
+          </a:p>
+          <a:p>
+            <a:pPr>
+              <a:buFont typeface="Arial" panose="020B0604020202020204" pitchFamily="34" charset="0"/>
+              <a:buChar char="•"/>
+            </a:pPr>
+            <a:r>
+              <a:rPr lang="ko-KR" altLang="en-US" dirty="0"/>
+              <a:t>하지만 **내 작업 폴더</a:t>
+            </a:r>
+            <a:r>
+              <a:rPr lang="en-US" altLang="ko-KR" dirty="0"/>
+              <a:t>(Working Directory)**</a:t>
+            </a:r>
+            <a:r>
+              <a:rPr lang="ko-KR" altLang="en-US" dirty="0"/>
+              <a:t>에는 적용되지 않아요</a:t>
+            </a:r>
+            <a:r>
+              <a:rPr lang="en-US" altLang="ko-KR" dirty="0"/>
+              <a:t>.</a:t>
+            </a:r>
+          </a:p>
+          <a:p>
+            <a:r>
+              <a:rPr lang="ko-KR" altLang="en-US" dirty="0"/>
+              <a:t>즉</a:t>
+            </a:r>
+            <a:r>
+              <a:rPr lang="en-US" altLang="ko-KR" dirty="0"/>
+              <a:t>, “</a:t>
+            </a:r>
+            <a:r>
+              <a:rPr lang="ko-KR" altLang="en-US" dirty="0"/>
+              <a:t>최신 상태가 </a:t>
+            </a:r>
+            <a:r>
+              <a:rPr lang="ko-KR" altLang="en-US" dirty="0" err="1"/>
+              <a:t>뭔지</a:t>
+            </a:r>
+            <a:r>
+              <a:rPr lang="ko-KR" altLang="en-US" dirty="0"/>
+              <a:t> </a:t>
+            </a:r>
+            <a:r>
+              <a:rPr lang="ko-KR" altLang="en-US" b="1" dirty="0"/>
+              <a:t>보기만 하고</a:t>
+            </a:r>
+            <a:r>
+              <a:rPr lang="en-US" altLang="ko-KR" dirty="0"/>
+              <a:t>, </a:t>
+            </a:r>
+            <a:r>
+              <a:rPr lang="ko-KR" altLang="en-US" dirty="0"/>
+              <a:t>적용은 안 해요</a:t>
+            </a:r>
+            <a:r>
+              <a:rPr lang="en-US" altLang="ko-KR" dirty="0"/>
+              <a:t>.”</a:t>
+            </a:r>
+          </a:p>
+          <a:p>
+            <a:endParaRPr lang="en-US" altLang="ko-KR" dirty="0"/>
+          </a:p>
+          <a:p>
+            <a:pPr>
+              <a:buNone/>
+            </a:pPr>
+            <a:r>
+              <a:rPr lang="en-US" altLang="ko-KR" dirty="0"/>
+              <a:t>git fetch:</a:t>
+            </a:r>
+            <a:br>
+              <a:rPr lang="en-US" altLang="ko-KR" dirty="0"/>
+            </a:br>
+            <a:r>
+              <a:rPr lang="en-US" altLang="ko-KR" dirty="0"/>
+              <a:t>→ </a:t>
+            </a:r>
+            <a:r>
+              <a:rPr lang="ko-KR" altLang="en-US" dirty="0"/>
+              <a:t>원격 저장소</a:t>
+            </a:r>
+            <a:r>
+              <a:rPr lang="en-US" altLang="ko-KR" dirty="0"/>
+              <a:t>(GitHub)</a:t>
+            </a:r>
+            <a:r>
+              <a:rPr lang="ko-KR" altLang="en-US" dirty="0"/>
+              <a:t>의 최신 정보를 </a:t>
+            </a:r>
+            <a:r>
+              <a:rPr lang="ko-KR" altLang="en-US" b="1" dirty="0" err="1"/>
+              <a:t>받아오기만</a:t>
+            </a:r>
+            <a:r>
+              <a:rPr lang="ko-KR" altLang="en-US" b="1" dirty="0"/>
+              <a:t> 함</a:t>
+            </a:r>
+            <a:br>
+              <a:rPr lang="ko-KR" altLang="en-US" dirty="0"/>
+            </a:br>
+            <a:r>
+              <a:rPr lang="ko-KR" altLang="en-US" dirty="0"/>
+              <a:t>→ </a:t>
+            </a:r>
+            <a:r>
+              <a:rPr lang="ko-KR" altLang="en-US" b="1" dirty="0"/>
+              <a:t>작업 폴더에는 아무 영향 없음</a:t>
+            </a:r>
+            <a:endParaRPr lang="ko-KR" altLang="en-US" dirty="0"/>
+          </a:p>
+          <a:p>
+            <a:r>
+              <a:rPr lang="ko-KR" altLang="en-US" dirty="0"/>
+              <a:t>이후에는 **병합</a:t>
+            </a:r>
+            <a:r>
+              <a:rPr lang="en-US" altLang="ko-KR" dirty="0"/>
+              <a:t>(Merge)**</a:t>
+            </a:r>
+            <a:r>
+              <a:rPr lang="ko-KR" altLang="en-US" dirty="0"/>
+              <a:t>을 하거나 **비교</a:t>
+            </a:r>
+            <a:r>
+              <a:rPr lang="en-US" altLang="ko-KR" dirty="0"/>
+              <a:t>(Diff)**</a:t>
+            </a:r>
+            <a:r>
+              <a:rPr lang="ko-KR" altLang="en-US" dirty="0"/>
+              <a:t>하거나</a:t>
+            </a:r>
+            <a:r>
+              <a:rPr lang="en-US" altLang="ko-KR" dirty="0"/>
+              <a:t>,</a:t>
+            </a:r>
+            <a:br>
+              <a:rPr lang="en-US" altLang="ko-KR" dirty="0"/>
+            </a:br>
+            <a:r>
+              <a:rPr lang="ko-KR" altLang="en-US" dirty="0"/>
+              <a:t>혹은 그냥 </a:t>
+            </a:r>
+            <a:r>
+              <a:rPr lang="ko-KR" altLang="en-US" b="1" dirty="0"/>
+              <a:t>내버려둘 수도</a:t>
+            </a:r>
+            <a:r>
+              <a:rPr lang="ko-KR" altLang="en-US" dirty="0"/>
+              <a:t> 있습니다</a:t>
+            </a:r>
+            <a:r>
+              <a:rPr lang="en-US" altLang="ko-KR" dirty="0"/>
+              <a:t>.</a:t>
+            </a:r>
+          </a:p>
+          <a:p>
+            <a:endParaRPr lang="en-US" altLang="ko-KR" dirty="0"/>
+          </a:p>
+          <a:p>
+            <a:r>
+              <a:rPr lang="en-US" altLang="ko-KR" dirty="0"/>
+              <a:t>git diff origin/main</a:t>
+            </a:r>
+          </a:p>
+          <a:p>
+            <a:endParaRPr lang="en-US" altLang="ko-KR" dirty="0"/>
           </a:p>
         </p:txBody>
       </p:sp>
@@ -2266,7 +2635,7 @@
           <a:bodyPr/>
           <a:lstStyle/>
           <a:p>
-            <a:endParaRPr lang="ko-KR" altLang="en-US"/>
+            <a:endParaRPr lang="ko-KR" altLang="en-US" dirty="0"/>
           </a:p>
         </p:txBody>
       </p:sp>
@@ -2531,7 +2900,7 @@
           <a:p>
             <a:fld id="{442BEE3F-2E9A-4FD8-8B8A-8619F3E161C0}" type="datetime1">
               <a:rPr lang="ko-KR" altLang="en-US" smtClean="0"/>
-              <a:t>12-15(Sun)</a:t>
+              <a:t>2025-04-08</a:t>
             </a:fld>
             <a:endParaRPr lang="ko-KR" altLang="en-US"/>
           </a:p>
@@ -2717,7 +3086,7 @@
           <a:p>
             <a:fld id="{2EAE422B-0E68-47B5-84BB-CA2BDA8EE46C}" type="datetime1">
               <a:rPr lang="ko-KR" altLang="en-US" smtClean="0"/>
-              <a:t>12-15(Sun)</a:t>
+              <a:t>2025-04-08</a:t>
             </a:fld>
             <a:endParaRPr lang="ko-KR" altLang="en-US"/>
           </a:p>
@@ -2925,7 +3294,7 @@
           <a:p>
             <a:fld id="{AF7C623F-179B-417F-99B6-50F6DF228D4B}" type="datetime1">
               <a:rPr lang="ko-KR" altLang="en-US" smtClean="0"/>
-              <a:t>12-15(Sun)</a:t>
+              <a:t>2025-04-08</a:t>
             </a:fld>
             <a:endParaRPr lang="ko-KR" altLang="en-US"/>
           </a:p>
@@ -3154,7 +3523,7 @@
           <a:p>
             <a:fld id="{0F78D9C4-20C1-4B15-A116-16DC77AD9A1E}" type="datetime1">
               <a:rPr lang="ko-KR" altLang="en-US" smtClean="0"/>
-              <a:t>12-15(Sun)</a:t>
+              <a:t>2025-04-08</a:t>
             </a:fld>
             <a:endParaRPr lang="ko-KR" altLang="en-US"/>
           </a:p>
@@ -3429,7 +3798,7 @@
           <a:p>
             <a:fld id="{C7F43723-C509-4DEA-8428-B50818F79709}" type="datetime1">
               <a:rPr lang="ko-KR" altLang="en-US" smtClean="0"/>
-              <a:t>12-15(Sun)</a:t>
+              <a:t>2025-04-08</a:t>
             </a:fld>
             <a:endParaRPr lang="ko-KR" altLang="en-US"/>
           </a:p>
@@ -3694,7 +4063,7 @@
           <a:p>
             <a:fld id="{5D2B7482-EE74-4DBD-97F4-D0DAC0C0E4E5}" type="datetime1">
               <a:rPr lang="ko-KR" altLang="en-US" smtClean="0"/>
-              <a:t>12-15(Sun)</a:t>
+              <a:t>2025-04-08</a:t>
             </a:fld>
             <a:endParaRPr lang="ko-KR" altLang="en-US"/>
           </a:p>
@@ -4107,7 +4476,7 @@
           <a:p>
             <a:fld id="{051A8C49-CED7-4A86-9B4A-621D7F62EE92}" type="datetime1">
               <a:rPr lang="ko-KR" altLang="en-US" smtClean="0"/>
-              <a:t>12-15(Sun)</a:t>
+              <a:t>2025-04-08</a:t>
             </a:fld>
             <a:endParaRPr lang="ko-KR" altLang="en-US"/>
           </a:p>
@@ -4254,7 +4623,7 @@
           <a:p>
             <a:fld id="{84082D76-7079-412D-848B-E1B9E7A6A286}" type="datetime1">
               <a:rPr lang="ko-KR" altLang="en-US" smtClean="0"/>
-              <a:t>12-15(Sun)</a:t>
+              <a:t>2025-04-08</a:t>
             </a:fld>
             <a:endParaRPr lang="ko-KR" altLang="en-US"/>
           </a:p>
@@ -4367,7 +4736,7 @@
           <a:p>
             <a:fld id="{10C5FEB5-5F88-4F49-9108-1795E314F09F}" type="datetime1">
               <a:rPr lang="ko-KR" altLang="en-US" smtClean="0"/>
-              <a:t>12-15(Sun)</a:t>
+              <a:t>2025-04-08</a:t>
             </a:fld>
             <a:endParaRPr lang="ko-KR" altLang="en-US"/>
           </a:p>
@@ -4678,7 +5047,7 @@
           <a:p>
             <a:fld id="{E37ABBEE-D8D4-48AD-9887-4DC578B8A684}" type="datetime1">
               <a:rPr lang="ko-KR" altLang="en-US" smtClean="0"/>
-              <a:t>12-15(Sun)</a:t>
+              <a:t>2025-04-08</a:t>
             </a:fld>
             <a:endParaRPr lang="ko-KR" altLang="en-US"/>
           </a:p>
@@ -4969,7 +5338,7 @@
           <a:p>
             <a:fld id="{A2D6A55C-F3DD-45DD-9D50-F8680410167D}" type="datetime1">
               <a:rPr lang="ko-KR" altLang="en-US" smtClean="0"/>
-              <a:t>12-15(Sun)</a:t>
+              <a:t>2025-04-08</a:t>
             </a:fld>
             <a:endParaRPr lang="ko-KR" altLang="en-US"/>
           </a:p>
@@ -5213,7 +5582,7 @@
             <a:fld id="{7F5E23C3-0E3D-4E4E-8486-D7FB4C073DC1}" type="datetime1">
               <a:rPr lang="ko-KR" altLang="en-US" smtClean="0"/>
               <a:pPr/>
-              <a:t>12-15(Sun)</a:t>
+              <a:t>2025-04-08</a:t>
             </a:fld>
             <a:endParaRPr lang="ko-KR" altLang="en-US" dirty="0"/>
           </a:p>
@@ -5937,7 +6306,7 @@
           <a:p>
             <a:fld id="{0F78D9C4-20C1-4B15-A116-16DC77AD9A1E}" type="datetime1">
               <a:rPr lang="ko-KR" altLang="en-US" smtClean="0"/>
-              <a:t>12-15(Sun)</a:t>
+              <a:t>2025-04-08</a:t>
             </a:fld>
             <a:endParaRPr lang="ko-KR" altLang="en-US"/>
           </a:p>
@@ -6216,7 +6585,7 @@
           <a:p>
             <a:fld id="{0F78D9C4-20C1-4B15-A116-16DC77AD9A1E}" type="datetime1">
               <a:rPr lang="ko-KR" altLang="en-US" smtClean="0"/>
-              <a:t>12-15(Sun)</a:t>
+              <a:t>2025-04-08</a:t>
             </a:fld>
             <a:endParaRPr lang="ko-KR" altLang="en-US"/>
           </a:p>
@@ -6584,7 +6953,7 @@
           <a:p>
             <a:fld id="{0F78D9C4-20C1-4B15-A116-16DC77AD9A1E}" type="datetime1">
               <a:rPr lang="ko-KR" altLang="en-US" smtClean="0"/>
-              <a:t>12-15(Sun)</a:t>
+              <a:t>2025-04-08</a:t>
             </a:fld>
             <a:endParaRPr lang="ko-KR" altLang="en-US"/>
           </a:p>
@@ -6943,7 +7312,7 @@
           <a:p>
             <a:fld id="{0F78D9C4-20C1-4B15-A116-16DC77AD9A1E}" type="datetime1">
               <a:rPr lang="ko-KR" altLang="en-US" smtClean="0"/>
-              <a:t>12-15(Sun)</a:t>
+              <a:t>2025-04-08</a:t>
             </a:fld>
             <a:endParaRPr lang="ko-KR" altLang="en-US"/>
           </a:p>
@@ -8047,7 +8416,7 @@
           <a:p>
             <a:fld id="{0F78D9C4-20C1-4B15-A116-16DC77AD9A1E}" type="datetime1">
               <a:rPr lang="ko-KR" altLang="en-US" smtClean="0"/>
-              <a:t>12-15(Sun)</a:t>
+              <a:t>2025-04-08</a:t>
             </a:fld>
             <a:endParaRPr lang="ko-KR" altLang="en-US"/>
           </a:p>
@@ -9312,7 +9681,7 @@
           <a:p>
             <a:fld id="{0F78D9C4-20C1-4B15-A116-16DC77AD9A1E}" type="datetime1">
               <a:rPr lang="ko-KR" altLang="en-US" smtClean="0"/>
-              <a:t>12-15(Sun)</a:t>
+              <a:t>2025-04-08</a:t>
             </a:fld>
             <a:endParaRPr lang="ko-KR" altLang="en-US"/>
           </a:p>
@@ -9742,7 +10111,7 @@
           <a:p>
             <a:fld id="{0F78D9C4-20C1-4B15-A116-16DC77AD9A1E}" type="datetime1">
               <a:rPr lang="ko-KR" altLang="en-US" smtClean="0"/>
-              <a:t>12-15(Sun)</a:t>
+              <a:t>2025-04-08</a:t>
             </a:fld>
             <a:endParaRPr lang="ko-KR" altLang="en-US"/>
           </a:p>
@@ -10177,7 +10546,7 @@
           <a:p>
             <a:fld id="{0F78D9C4-20C1-4B15-A116-16DC77AD9A1E}" type="datetime1">
               <a:rPr lang="ko-KR" altLang="en-US" smtClean="0"/>
-              <a:t>12-15(Sun)</a:t>
+              <a:t>2025-04-08</a:t>
             </a:fld>
             <a:endParaRPr lang="ko-KR" altLang="en-US"/>
           </a:p>
@@ -10625,7 +10994,7 @@
           <a:p>
             <a:fld id="{0F78D9C4-20C1-4B15-A116-16DC77AD9A1E}" type="datetime1">
               <a:rPr lang="ko-KR" altLang="en-US" smtClean="0"/>
-              <a:t>12-15(Sun)</a:t>
+              <a:t>2025-04-08</a:t>
             </a:fld>
             <a:endParaRPr lang="ko-KR" altLang="en-US"/>
           </a:p>
@@ -10900,7 +11269,7 @@
           <a:p>
             <a:fld id="{0F78D9C4-20C1-4B15-A116-16DC77AD9A1E}" type="datetime1">
               <a:rPr lang="ko-KR" altLang="en-US" smtClean="0"/>
-              <a:t>12-15(Sun)</a:t>
+              <a:t>2025-04-08</a:t>
             </a:fld>
             <a:endParaRPr lang="ko-KR" altLang="en-US"/>
           </a:p>
@@ -11112,7 +11481,7 @@
           <a:p>
             <a:fld id="{2E2BEDFA-D8AA-4914-9440-7DF713C99FA9}" type="datetime1">
               <a:rPr lang="ko-KR" altLang="en-US" smtClean="0"/>
-              <a:t>12-15(Sun)</a:t>
+              <a:t>2025-04-08</a:t>
             </a:fld>
             <a:endParaRPr lang="ko-KR" altLang="en-US"/>
           </a:p>
@@ -11253,7 +11622,7 @@
           <a:p>
             <a:fld id="{0F78D9C4-20C1-4B15-A116-16DC77AD9A1E}" type="datetime1">
               <a:rPr lang="ko-KR" altLang="en-US" smtClean="0"/>
-              <a:t>12-15(Sun)</a:t>
+              <a:t>2025-04-08</a:t>
             </a:fld>
             <a:endParaRPr lang="ko-KR" altLang="en-US"/>
           </a:p>
@@ -11458,7 +11827,7 @@
           <a:p>
             <a:fld id="{0F78D9C4-20C1-4B15-A116-16DC77AD9A1E}" type="datetime1">
               <a:rPr lang="ko-KR" altLang="en-US" smtClean="0"/>
-              <a:t>12-15(Sun)</a:t>
+              <a:t>2025-04-08</a:t>
             </a:fld>
             <a:endParaRPr lang="ko-KR" altLang="en-US"/>
           </a:p>
@@ -11916,7 +12285,7 @@
           <a:p>
             <a:fld id="{0F78D9C4-20C1-4B15-A116-16DC77AD9A1E}" type="datetime1">
               <a:rPr lang="ko-KR" altLang="en-US" smtClean="0"/>
-              <a:t>12-15(Sun)</a:t>
+              <a:t>2025-04-08</a:t>
             </a:fld>
             <a:endParaRPr lang="ko-KR" altLang="en-US"/>
           </a:p>
@@ -12205,7 +12574,7 @@
           <a:p>
             <a:fld id="{0F78D9C4-20C1-4B15-A116-16DC77AD9A1E}" type="datetime1">
               <a:rPr lang="ko-KR" altLang="en-US" smtClean="0"/>
-              <a:t>12-15(Sun)</a:t>
+              <a:t>2025-04-08</a:t>
             </a:fld>
             <a:endParaRPr lang="ko-KR" altLang="en-US"/>
           </a:p>
@@ -12499,7 +12868,7 @@
           <a:p>
             <a:fld id="{0F78D9C4-20C1-4B15-A116-16DC77AD9A1E}" type="datetime1">
               <a:rPr lang="ko-KR" altLang="en-US" smtClean="0"/>
-              <a:t>12-15(Sun)</a:t>
+              <a:t>2025-04-08</a:t>
             </a:fld>
             <a:endParaRPr lang="ko-KR" altLang="en-US"/>
           </a:p>
@@ -12684,7 +13053,7 @@
           <a:p>
             <a:fld id="{0F78D9C4-20C1-4B15-A116-16DC77AD9A1E}" type="datetime1">
               <a:rPr lang="ko-KR" altLang="en-US" smtClean="0"/>
-              <a:t>12-15(Sun)</a:t>
+              <a:t>2025-04-08</a:t>
             </a:fld>
             <a:endParaRPr lang="ko-KR" altLang="en-US"/>
           </a:p>
@@ -12899,7 +13268,7 @@
           <a:p>
             <a:fld id="{0F78D9C4-20C1-4B15-A116-16DC77AD9A1E}" type="datetime1">
               <a:rPr lang="ko-KR" altLang="en-US" smtClean="0"/>
-              <a:t>12-15(Sun)</a:t>
+              <a:t>2025-04-08</a:t>
             </a:fld>
             <a:endParaRPr lang="ko-KR" altLang="en-US"/>
           </a:p>
@@ -13374,7 +13743,7 @@
           <a:p>
             <a:fld id="{0F78D9C4-20C1-4B15-A116-16DC77AD9A1E}" type="datetime1">
               <a:rPr lang="ko-KR" altLang="en-US" smtClean="0"/>
-              <a:t>12-15(Sun)</a:t>
+              <a:t>2025-04-08</a:t>
             </a:fld>
             <a:endParaRPr lang="ko-KR" altLang="en-US"/>
           </a:p>
@@ -13573,7 +13942,7 @@
           <a:p>
             <a:fld id="{0F78D9C4-20C1-4B15-A116-16DC77AD9A1E}" type="datetime1">
               <a:rPr lang="ko-KR" altLang="en-US" smtClean="0"/>
-              <a:t>12-15(Sun)</a:t>
+              <a:t>2025-04-08</a:t>
             </a:fld>
             <a:endParaRPr lang="ko-KR" altLang="en-US"/>
           </a:p>
@@ -13857,7 +14226,7 @@
           <a:p>
             <a:fld id="{0F78D9C4-20C1-4B15-A116-16DC77AD9A1E}" type="datetime1">
               <a:rPr lang="ko-KR" altLang="en-US" smtClean="0"/>
-              <a:t>12-15(Sun)</a:t>
+              <a:t>2025-04-08</a:t>
             </a:fld>
             <a:endParaRPr lang="ko-KR" altLang="en-US"/>
           </a:p>
@@ -14056,7 +14425,7 @@
           <a:p>
             <a:fld id="{0F78D9C4-20C1-4B15-A116-16DC77AD9A1E}" type="datetime1">
               <a:rPr lang="ko-KR" altLang="en-US" smtClean="0"/>
-              <a:t>12-15(Sun)</a:t>
+              <a:t>2025-04-08</a:t>
             </a:fld>
             <a:endParaRPr lang="ko-KR" altLang="en-US"/>
           </a:p>
@@ -15087,7 +15456,7 @@
           <a:p>
             <a:fld id="{0F78D9C4-20C1-4B15-A116-16DC77AD9A1E}" type="datetime1">
               <a:rPr lang="ko-KR" altLang="en-US" smtClean="0"/>
-              <a:t>12-15(Sun)</a:t>
+              <a:t>2025-04-08</a:t>
             </a:fld>
             <a:endParaRPr lang="ko-KR" altLang="en-US"/>
           </a:p>
@@ -15286,7 +15655,7 @@
           <a:p>
             <a:fld id="{0F78D9C4-20C1-4B15-A116-16DC77AD9A1E}" type="datetime1">
               <a:rPr lang="ko-KR" altLang="en-US" smtClean="0"/>
-              <a:t>12-15(Sun)</a:t>
+              <a:t>2025-04-08</a:t>
             </a:fld>
             <a:endParaRPr lang="ko-KR" altLang="en-US"/>
           </a:p>
@@ -15485,7 +15854,7 @@
           <a:p>
             <a:fld id="{0F78D9C4-20C1-4B15-A116-16DC77AD9A1E}" type="datetime1">
               <a:rPr lang="ko-KR" altLang="en-US" smtClean="0"/>
-              <a:t>12-15(Sun)</a:t>
+              <a:t>2025-04-08</a:t>
             </a:fld>
             <a:endParaRPr lang="ko-KR" altLang="en-US"/>
           </a:p>
@@ -15684,7 +16053,7 @@
           <a:p>
             <a:fld id="{0F78D9C4-20C1-4B15-A116-16DC77AD9A1E}" type="datetime1">
               <a:rPr lang="ko-KR" altLang="en-US" smtClean="0"/>
-              <a:t>12-15(Sun)</a:t>
+              <a:t>2025-04-08</a:t>
             </a:fld>
             <a:endParaRPr lang="ko-KR" altLang="en-US"/>
           </a:p>
@@ -15934,7 +16303,7 @@
           <a:p>
             <a:fld id="{0F78D9C4-20C1-4B15-A116-16DC77AD9A1E}" type="datetime1">
               <a:rPr lang="ko-KR" altLang="en-US" smtClean="0"/>
-              <a:t>12-15(Sun)</a:t>
+              <a:t>2025-04-08</a:t>
             </a:fld>
             <a:endParaRPr lang="ko-KR" altLang="en-US"/>
           </a:p>
@@ -16184,7 +16553,7 @@
           <a:p>
             <a:fld id="{0F78D9C4-20C1-4B15-A116-16DC77AD9A1E}" type="datetime1">
               <a:rPr lang="ko-KR" altLang="en-US" smtClean="0"/>
-              <a:t>12-15(Sun)</a:t>
+              <a:t>2025-04-08</a:t>
             </a:fld>
             <a:endParaRPr lang="ko-KR" altLang="en-US"/>
           </a:p>
@@ -16641,7 +17010,7 @@
           <a:p>
             <a:fld id="{0F78D9C4-20C1-4B15-A116-16DC77AD9A1E}" type="datetime1">
               <a:rPr lang="ko-KR" altLang="en-US" smtClean="0"/>
-              <a:t>12-15(Sun)</a:t>
+              <a:t>2025-04-08</a:t>
             </a:fld>
             <a:endParaRPr lang="ko-KR" altLang="en-US"/>
           </a:p>
@@ -16840,7 +17209,7 @@
           <a:p>
             <a:fld id="{0F78D9C4-20C1-4B15-A116-16DC77AD9A1E}" type="datetime1">
               <a:rPr lang="ko-KR" altLang="en-US" smtClean="0"/>
-              <a:t>12-15(Sun)</a:t>
+              <a:t>2025-04-08</a:t>
             </a:fld>
             <a:endParaRPr lang="ko-KR" altLang="en-US"/>
           </a:p>
@@ -16957,7 +17326,7 @@
           <a:p>
             <a:fld id="{0F78D9C4-20C1-4B15-A116-16DC77AD9A1E}" type="datetime1">
               <a:rPr lang="ko-KR" altLang="en-US" smtClean="0"/>
-              <a:t>12-15(Sun)</a:t>
+              <a:t>2025-04-08</a:t>
             </a:fld>
             <a:endParaRPr lang="ko-KR" altLang="en-US"/>
           </a:p>
@@ -17656,7 +18025,7 @@
           <a:p>
             <a:fld id="{0F78D9C4-20C1-4B15-A116-16DC77AD9A1E}" type="datetime1">
               <a:rPr lang="ko-KR" altLang="en-US" smtClean="0"/>
-              <a:t>12-15(Sun)</a:t>
+              <a:t>2025-04-08</a:t>
             </a:fld>
             <a:endParaRPr lang="ko-KR" altLang="en-US"/>
           </a:p>
@@ -18342,7 +18711,7 @@
           <a:p>
             <a:fld id="{0F78D9C4-20C1-4B15-A116-16DC77AD9A1E}" type="datetime1">
               <a:rPr lang="ko-KR" altLang="en-US" smtClean="0"/>
-              <a:t>12-15(Sun)</a:t>
+              <a:t>2025-04-08</a:t>
             </a:fld>
             <a:endParaRPr lang="ko-KR" altLang="en-US"/>
           </a:p>
@@ -19121,7 +19490,7 @@
           <a:p>
             <a:fld id="{0F78D9C4-20C1-4B15-A116-16DC77AD9A1E}" type="datetime1">
               <a:rPr lang="ko-KR" altLang="en-US" smtClean="0"/>
-              <a:t>12-15(Sun)</a:t>
+              <a:t>2025-04-08</a:t>
             </a:fld>
             <a:endParaRPr lang="ko-KR" altLang="en-US"/>
           </a:p>
@@ -19475,7 +19844,7 @@
           <a:p>
             <a:fld id="{0F78D9C4-20C1-4B15-A116-16DC77AD9A1E}" type="datetime1">
               <a:rPr lang="ko-KR" altLang="en-US" smtClean="0"/>
-              <a:t>12-15(Sun)</a:t>
+              <a:t>2025-04-08</a:t>
             </a:fld>
             <a:endParaRPr lang="ko-KR" altLang="en-US"/>
           </a:p>
@@ -19640,7 +20009,7 @@
           <a:p>
             <a:fld id="{0F78D9C4-20C1-4B15-A116-16DC77AD9A1E}" type="datetime1">
               <a:rPr lang="ko-KR" altLang="en-US" smtClean="0"/>
-              <a:t>12-15(Sun)</a:t>
+              <a:t>2025-04-08</a:t>
             </a:fld>
             <a:endParaRPr lang="ko-KR" altLang="en-US"/>
           </a:p>
@@ -19828,7 +20197,7 @@
           <a:p>
             <a:fld id="{0F78D9C4-20C1-4B15-A116-16DC77AD9A1E}" type="datetime1">
               <a:rPr lang="ko-KR" altLang="en-US" smtClean="0"/>
-              <a:t>12-15(Sun)</a:t>
+              <a:t>2025-04-08</a:t>
             </a:fld>
             <a:endParaRPr lang="ko-KR" altLang="en-US"/>
           </a:p>
@@ -20205,7 +20574,7 @@
           <a:p>
             <a:fld id="{0F78D9C4-20C1-4B15-A116-16DC77AD9A1E}" type="datetime1">
               <a:rPr lang="ko-KR" altLang="en-US" smtClean="0"/>
-              <a:t>12-15(Sun)</a:t>
+              <a:t>2025-04-08</a:t>
             </a:fld>
             <a:endParaRPr lang="ko-KR" altLang="en-US"/>
           </a:p>
@@ -20518,7 +20887,7 @@
           <a:p>
             <a:fld id="{0F78D9C4-20C1-4B15-A116-16DC77AD9A1E}" type="datetime1">
               <a:rPr lang="ko-KR" altLang="en-US" smtClean="0"/>
-              <a:t>12-15(Sun)</a:t>
+              <a:t>2025-04-08</a:t>
             </a:fld>
             <a:endParaRPr lang="ko-KR" altLang="en-US"/>
           </a:p>
